--- a/Movie_Torrents_-_IMDB_ratings/images/flowchart.pptx
+++ b/Movie_Torrents_-_IMDB_ratings/images/flowchart.pptx
@@ -288,7 +288,7 @@
           <a:p>
             <a:fld id="{B220360B-1155-5046-952E-36D3C29E2E40}" type="datetimeFigureOut">
               <a:rPr lang="en-US" smtClean="0"/>
-              <a:t>7/11/14</a:t>
+              <a:t>7/14/14</a:t>
             </a:fld>
             <a:endParaRPr lang="en-US"/>
           </a:p>
@@ -458,7 +458,7 @@
           <a:p>
             <a:fld id="{B220360B-1155-5046-952E-36D3C29E2E40}" type="datetimeFigureOut">
               <a:rPr lang="en-US" smtClean="0"/>
-              <a:t>7/11/14</a:t>
+              <a:t>7/14/14</a:t>
             </a:fld>
             <a:endParaRPr lang="en-US"/>
           </a:p>
@@ -638,7 +638,7 @@
           <a:p>
             <a:fld id="{B220360B-1155-5046-952E-36D3C29E2E40}" type="datetimeFigureOut">
               <a:rPr lang="en-US" smtClean="0"/>
-              <a:t>7/11/14</a:t>
+              <a:t>7/14/14</a:t>
             </a:fld>
             <a:endParaRPr lang="en-US"/>
           </a:p>
@@ -808,7 +808,7 @@
           <a:p>
             <a:fld id="{B220360B-1155-5046-952E-36D3C29E2E40}" type="datetimeFigureOut">
               <a:rPr lang="en-US" smtClean="0"/>
-              <a:t>7/11/14</a:t>
+              <a:t>7/14/14</a:t>
             </a:fld>
             <a:endParaRPr lang="en-US"/>
           </a:p>
@@ -1054,7 +1054,7 @@
           <a:p>
             <a:fld id="{B220360B-1155-5046-952E-36D3C29E2E40}" type="datetimeFigureOut">
               <a:rPr lang="en-US" smtClean="0"/>
-              <a:t>7/11/14</a:t>
+              <a:t>7/14/14</a:t>
             </a:fld>
             <a:endParaRPr lang="en-US"/>
           </a:p>
@@ -1342,7 +1342,7 @@
           <a:p>
             <a:fld id="{B220360B-1155-5046-952E-36D3C29E2E40}" type="datetimeFigureOut">
               <a:rPr lang="en-US" smtClean="0"/>
-              <a:t>7/11/14</a:t>
+              <a:t>7/14/14</a:t>
             </a:fld>
             <a:endParaRPr lang="en-US"/>
           </a:p>
@@ -1764,7 +1764,7 @@
           <a:p>
             <a:fld id="{B220360B-1155-5046-952E-36D3C29E2E40}" type="datetimeFigureOut">
               <a:rPr lang="en-US" smtClean="0"/>
-              <a:t>7/11/14</a:t>
+              <a:t>7/14/14</a:t>
             </a:fld>
             <a:endParaRPr lang="en-US"/>
           </a:p>
@@ -1882,7 +1882,7 @@
           <a:p>
             <a:fld id="{B220360B-1155-5046-952E-36D3C29E2E40}" type="datetimeFigureOut">
               <a:rPr lang="en-US" smtClean="0"/>
-              <a:t>7/11/14</a:t>
+              <a:t>7/14/14</a:t>
             </a:fld>
             <a:endParaRPr lang="en-US"/>
           </a:p>
@@ -1977,7 +1977,7 @@
           <a:p>
             <a:fld id="{B220360B-1155-5046-952E-36D3C29E2E40}" type="datetimeFigureOut">
               <a:rPr lang="en-US" smtClean="0"/>
-              <a:t>7/11/14</a:t>
+              <a:t>7/14/14</a:t>
             </a:fld>
             <a:endParaRPr lang="en-US"/>
           </a:p>
@@ -2254,7 +2254,7 @@
           <a:p>
             <a:fld id="{B220360B-1155-5046-952E-36D3C29E2E40}" type="datetimeFigureOut">
               <a:rPr lang="en-US" smtClean="0"/>
-              <a:t>7/11/14</a:t>
+              <a:t>7/14/14</a:t>
             </a:fld>
             <a:endParaRPr lang="en-US"/>
           </a:p>
@@ -2507,7 +2507,7 @@
           <a:p>
             <a:fld id="{B220360B-1155-5046-952E-36D3C29E2E40}" type="datetimeFigureOut">
               <a:rPr lang="en-US" smtClean="0"/>
-              <a:t>7/11/14</a:t>
+              <a:t>7/14/14</a:t>
             </a:fld>
             <a:endParaRPr lang="en-US"/>
           </a:p>
@@ -2720,7 +2720,7 @@
           <a:p>
             <a:fld id="{B220360B-1155-5046-952E-36D3C29E2E40}" type="datetimeFigureOut">
               <a:rPr lang="en-US" smtClean="0"/>
-              <a:t>7/11/14</a:t>
+              <a:t>7/14/14</a:t>
             </a:fld>
             <a:endParaRPr lang="en-US"/>
           </a:p>
@@ -3103,10 +3103,10 @@
         </p:nvGrpSpPr>
         <p:grpSpPr>
           <a:xfrm>
-            <a:off x="607414" y="-458412"/>
-            <a:ext cx="9277991" cy="12187633"/>
-            <a:chOff x="607414" y="-458412"/>
-            <a:chExt cx="9277991" cy="12187633"/>
+            <a:off x="400288" y="-458412"/>
+            <a:ext cx="11612375" cy="12291666"/>
+            <a:chOff x="400288" y="-458412"/>
+            <a:chExt cx="11612375" cy="12291666"/>
           </a:xfrm>
         </p:grpSpPr>
         <p:sp>
@@ -3160,7 +3160,7 @@
             <a:lstStyle/>
             <a:p>
               <a:pPr algn="ctr"/>
-              <a:endParaRPr lang="en-US"/>
+              <a:endParaRPr lang="en-US" sz="2400"/>
             </a:p>
           </p:txBody>
         </p:sp>
@@ -3173,7 +3173,7 @@
           <p:spPr>
             <a:xfrm>
               <a:off x="5024001" y="440479"/>
-              <a:ext cx="1201023" cy="372755"/>
+              <a:ext cx="1201023" cy="461665"/>
             </a:xfrm>
             <a:prstGeom prst="rect">
               <a:avLst/>
@@ -3187,10 +3187,10 @@
             <a:lstStyle/>
             <a:p>
               <a:r>
-                <a:rPr lang="en-US" dirty="0" smtClean="0"/>
+                <a:rPr lang="en-US" sz="2400" dirty="0" smtClean="0"/>
                 <a:t>Internet</a:t>
               </a:r>
-              <a:endParaRPr lang="en-US" dirty="0"/>
+              <a:endParaRPr lang="en-US" sz="2400" dirty="0"/>
             </a:p>
           </p:txBody>
         </p:sp>
@@ -3229,10 +3229,10 @@
             <a:p>
               <a:pPr algn="ctr"/>
               <a:r>
-                <a:rPr lang="en-US" dirty="0" err="1" smtClean="0"/>
+                <a:rPr lang="en-US" sz="2400" dirty="0" err="1" smtClean="0"/>
                 <a:t>nCore.cc</a:t>
               </a:r>
-              <a:endParaRPr lang="en-US" dirty="0"/>
+              <a:endParaRPr lang="en-US" sz="2400" dirty="0"/>
             </a:p>
           </p:txBody>
         </p:sp>
@@ -3271,10 +3271,10 @@
             <a:p>
               <a:pPr algn="ctr"/>
               <a:r>
-                <a:rPr lang="en-US" dirty="0" err="1" smtClean="0"/>
+                <a:rPr lang="en-US" sz="2400" dirty="0" err="1" smtClean="0"/>
                 <a:t>IMDB.com</a:t>
               </a:r>
-              <a:endParaRPr lang="en-US" dirty="0"/>
+              <a:endParaRPr lang="en-US" sz="2400" dirty="0"/>
             </a:p>
           </p:txBody>
         </p:sp>
@@ -3286,8 +3286,8 @@
           </p:nvSpPr>
           <p:spPr>
             <a:xfrm>
-              <a:off x="607414" y="1772433"/>
-              <a:ext cx="5024972" cy="1529014"/>
+              <a:off x="607414" y="1428934"/>
+              <a:ext cx="5024972" cy="1872513"/>
             </a:xfrm>
             <a:prstGeom prst="rect">
               <a:avLst/>
@@ -3312,10 +3312,10 @@
             <a:lstStyle/>
             <a:p>
               <a:r>
-                <a:rPr lang="en-US" b="1" dirty="0" err="1" smtClean="0"/>
+                <a:rPr lang="en-US" sz="2400" b="1" dirty="0" err="1" smtClean="0"/>
                 <a:t>Download.pl</a:t>
               </a:r>
-              <a:endParaRPr lang="en-US" b="1" dirty="0" smtClean="0"/>
+              <a:endParaRPr lang="en-US" sz="2400" b="1" dirty="0" smtClean="0"/>
             </a:p>
             <a:p>
               <a:pPr marL="342900" indent="-342900">
@@ -3323,7 +3323,7 @@
                 <a:buAutoNum type="arabicPeriod"/>
               </a:pPr>
               <a:r>
-                <a:rPr lang="en-US" dirty="0" smtClean="0"/>
+                <a:rPr lang="en-US" sz="2400" dirty="0" smtClean="0"/>
                 <a:t>Authentication</a:t>
               </a:r>
             </a:p>
@@ -3333,7 +3333,7 @@
                 <a:buAutoNum type="arabicPeriod"/>
               </a:pPr>
               <a:r>
-                <a:rPr lang="en-US" dirty="0" smtClean="0"/>
+                <a:rPr lang="en-US" sz="2400" dirty="0" smtClean="0"/>
                 <a:t>Download page</a:t>
               </a:r>
             </a:p>
@@ -3343,7 +3343,7 @@
                 <a:buAutoNum type="arabicPeriod"/>
               </a:pPr>
               <a:r>
-                <a:rPr lang="en-US" dirty="0" smtClean="0"/>
+                <a:rPr lang="en-US" sz="2400" dirty="0" smtClean="0"/>
                 <a:t>Parse data</a:t>
               </a:r>
             </a:p>
@@ -3353,25 +3353,25 @@
                 <a:buAutoNum type="arabicPeriod"/>
               </a:pPr>
               <a:r>
-                <a:rPr lang="en-US" dirty="0" smtClean="0"/>
+                <a:rPr lang="en-US" sz="2400" dirty="0" smtClean="0"/>
                 <a:t>Save </a:t>
               </a:r>
               <a:r>
-                <a:rPr lang="en-US" dirty="0" err="1" smtClean="0"/>
+                <a:rPr lang="en-US" sz="2400" dirty="0" err="1" smtClean="0"/>
                 <a:t>csv</a:t>
               </a:r>
               <a:r>
-                <a:rPr lang="en-US" dirty="0" smtClean="0"/>
+                <a:rPr lang="en-US" sz="2400" dirty="0" smtClean="0"/>
                 <a:t> (</a:t>
               </a:r>
               <a:r>
-                <a:rPr lang="en-US" dirty="0" smtClean="0">
+                <a:rPr lang="en-US" sz="2400" dirty="0" smtClean="0">
                   <a:effectLst/>
                 </a:rPr>
                 <a:t>67593 entries</a:t>
               </a:r>
               <a:r>
-                <a:rPr lang="en-US" dirty="0" smtClean="0"/>
+                <a:rPr lang="en-US" sz="2400" dirty="0" smtClean="0"/>
                 <a:t>)</a:t>
               </a:r>
             </a:p>
@@ -3385,8 +3385,8 @@
           </p:nvSpPr>
           <p:spPr>
             <a:xfrm>
-              <a:off x="607414" y="3986049"/>
-              <a:ext cx="5024972" cy="763163"/>
+              <a:off x="607413" y="3986049"/>
+              <a:ext cx="6871837" cy="763163"/>
             </a:xfrm>
             <a:prstGeom prst="rect">
               <a:avLst/>
@@ -3411,7 +3411,7 @@
             <a:lstStyle/>
             <a:p>
               <a:pPr algn="ctr"/>
-              <a:endParaRPr lang="en-US" dirty="0"/>
+              <a:endParaRPr lang="en-US" sz="2400" dirty="0"/>
             </a:p>
           </p:txBody>
         </p:sp>
@@ -3423,8 +3423,8 @@
           </p:nvSpPr>
           <p:spPr>
             <a:xfrm>
-              <a:off x="701679" y="4369753"/>
-              <a:ext cx="4955948" cy="307777"/>
+              <a:off x="713254" y="4369753"/>
+              <a:ext cx="6871836" cy="369332"/>
             </a:xfrm>
             <a:prstGeom prst="rect">
               <a:avLst/>
@@ -3438,34 +3438,34 @@
             <a:lstStyle/>
             <a:p>
               <a:r>
-                <a:rPr lang="en-US" sz="1400" dirty="0" smtClean="0"/>
+                <a:rPr lang="en-US" dirty="0" smtClean="0"/>
                 <a:t>ID,Title,#Downloads,#</a:t>
               </a:r>
               <a:r>
-                <a:rPr lang="en-US" sz="1400" dirty="0" err="1" smtClean="0"/>
+                <a:rPr lang="en-US" dirty="0" err="1" smtClean="0"/>
                 <a:t>Seedes</a:t>
               </a:r>
               <a:r>
-                <a:rPr lang="en-US" sz="1400" dirty="0" smtClean="0"/>
+                <a:rPr lang="en-US" dirty="0" smtClean="0"/>
                 <a:t>,#</a:t>
               </a:r>
               <a:r>
-                <a:rPr lang="en-US" sz="1400" dirty="0" err="1" smtClean="0"/>
+                <a:rPr lang="en-US" dirty="0" err="1" smtClean="0"/>
                 <a:t>Leechers,U_time,U</a:t>
               </a:r>
               <a:r>
-                <a:rPr lang="en-US" sz="1400" dirty="0" err="1"/>
+                <a:rPr lang="en-US" dirty="0" err="1"/>
                 <a:t>_</a:t>
               </a:r>
               <a:r>
-                <a:rPr lang="en-US" sz="1400" dirty="0" err="1" smtClean="0"/>
+                <a:rPr lang="en-US" dirty="0" err="1" smtClean="0"/>
                 <a:t>date,IMDB_ID</a:t>
               </a:r>
               <a:r>
-                <a:rPr lang="en-US" sz="1400" dirty="0" smtClean="0"/>
+                <a:rPr lang="en-US" dirty="0" smtClean="0"/>
                 <a:t> </a:t>
               </a:r>
-              <a:endParaRPr lang="en-US" sz="1400" dirty="0"/>
+              <a:endParaRPr lang="en-US" dirty="0"/>
             </a:p>
           </p:txBody>
         </p:sp>
@@ -3477,8 +3477,8 @@
           </p:nvSpPr>
           <p:spPr>
             <a:xfrm>
-              <a:off x="1325245" y="4404753"/>
-              <a:ext cx="947686" cy="276999"/>
+              <a:off x="1519284" y="4404753"/>
+              <a:ext cx="1161955" cy="334332"/>
             </a:xfrm>
             <a:prstGeom prst="rect">
               <a:avLst/>
@@ -3497,7 +3497,7 @@
             </a:bodyPr>
             <a:lstStyle/>
             <a:p>
-              <a:endParaRPr lang="en-US" sz="1200" dirty="0"/>
+              <a:endParaRPr lang="en-US" sz="1600" dirty="0"/>
             </a:p>
           </p:txBody>
         </p:sp>
@@ -3510,7 +3510,7 @@
           <p:spPr>
             <a:xfrm>
               <a:off x="758276" y="4401330"/>
-              <a:ext cx="233024" cy="276999"/>
+              <a:ext cx="233024" cy="338554"/>
             </a:xfrm>
             <a:prstGeom prst="rect">
               <a:avLst/>
@@ -3529,7 +3529,7 @@
             </a:bodyPr>
             <a:lstStyle/>
             <a:p>
-              <a:endParaRPr lang="en-US" sz="1200" dirty="0"/>
+              <a:endParaRPr lang="en-US" sz="1600" dirty="0"/>
             </a:p>
           </p:txBody>
         </p:sp>
@@ -3541,8 +3541,8 @@
           </p:nvSpPr>
           <p:spPr>
             <a:xfrm>
-              <a:off x="4829967" y="4404753"/>
-              <a:ext cx="728599" cy="276999"/>
+              <a:off x="5956861" y="4405035"/>
+              <a:ext cx="1010834" cy="338554"/>
             </a:xfrm>
             <a:prstGeom prst="rect">
               <a:avLst/>
@@ -3561,7 +3561,7 @@
             </a:bodyPr>
             <a:lstStyle/>
             <a:p>
-              <a:endParaRPr lang="en-US" sz="1200" dirty="0"/>
+              <a:endParaRPr lang="en-US" sz="1600" dirty="0"/>
             </a:p>
           </p:txBody>
         </p:sp>
@@ -3575,8 +3575,8 @@
           </p:nvCxnSpPr>
           <p:spPr>
             <a:xfrm>
-              <a:off x="874788" y="4678329"/>
-              <a:ext cx="0" cy="747928"/>
+              <a:off x="874788" y="4739884"/>
+              <a:ext cx="0" cy="686373"/>
             </a:xfrm>
             <a:prstGeom prst="straightConnector1">
               <a:avLst/>
@@ -3614,9 +3614,9 @@
             <p:nvPr/>
           </p:nvCxnSpPr>
           <p:spPr>
-            <a:xfrm>
-              <a:off x="1799088" y="4681752"/>
-              <a:ext cx="0" cy="744505"/>
+            <a:xfrm flipH="1">
+              <a:off x="1993128" y="4739085"/>
+              <a:ext cx="107134" cy="687172"/>
             </a:xfrm>
             <a:prstGeom prst="straightConnector1">
               <a:avLst/>
@@ -3654,9 +3654,9 @@
             <p:nvPr/>
           </p:nvCxnSpPr>
           <p:spPr>
-            <a:xfrm>
-              <a:off x="5194267" y="4681752"/>
-              <a:ext cx="0" cy="744505"/>
+            <a:xfrm flipH="1">
+              <a:off x="6321162" y="4743589"/>
+              <a:ext cx="141116" cy="682950"/>
             </a:xfrm>
             <a:prstGeom prst="straightConnector1">
               <a:avLst/>
@@ -3694,7 +3694,7 @@
           <p:spPr>
             <a:xfrm>
               <a:off x="1796627" y="3965985"/>
-              <a:ext cx="3033340" cy="369332"/>
+              <a:ext cx="3033340" cy="461665"/>
             </a:xfrm>
             <a:prstGeom prst="rect">
               <a:avLst/>
@@ -3708,10 +3708,10 @@
             <a:lstStyle/>
             <a:p>
               <a:r>
-                <a:rPr lang="en-US" dirty="0" err="1" smtClean="0"/>
+                <a:rPr lang="en-US" sz="2400" dirty="0" err="1" smtClean="0"/>
                 <a:t>Movie_data.csv</a:t>
               </a:r>
-              <a:endParaRPr lang="en-US" dirty="0"/>
+              <a:endParaRPr lang="en-US" sz="2400" dirty="0"/>
             </a:p>
           </p:txBody>
         </p:sp>
@@ -3750,7 +3750,7 @@
             <a:lstStyle/>
             <a:p>
               <a:pPr algn="ctr"/>
-              <a:endParaRPr lang="en-US"/>
+              <a:endParaRPr lang="en-US" sz="2400"/>
             </a:p>
           </p:txBody>
         </p:sp>
@@ -3762,8 +3762,8 @@
           </p:nvSpPr>
           <p:spPr>
             <a:xfrm>
-              <a:off x="607414" y="5433814"/>
-              <a:ext cx="5024972" cy="3378952"/>
+              <a:off x="607413" y="5433814"/>
+              <a:ext cx="5936930" cy="3378952"/>
             </a:xfrm>
             <a:prstGeom prst="rect">
               <a:avLst/>
@@ -3791,35 +3791,35 @@
                 <a:buFont typeface="+mj-lt"/>
                 <a:buAutoNum type="arabicPeriod"/>
               </a:pPr>
-              <a:endParaRPr lang="en-US" dirty="0"/>
+              <a:endParaRPr lang="en-US" sz="2400" dirty="0"/>
             </a:p>
             <a:p>
               <a:pPr marL="342900" indent="-342900">
                 <a:buFont typeface="+mj-lt"/>
                 <a:buAutoNum type="arabicPeriod"/>
               </a:pPr>
-              <a:endParaRPr lang="en-US" dirty="0" smtClean="0"/>
+              <a:endParaRPr lang="en-US" sz="2400" dirty="0" smtClean="0"/>
             </a:p>
             <a:p>
               <a:pPr marL="342900" indent="-342900">
                 <a:buFont typeface="+mj-lt"/>
                 <a:buAutoNum type="arabicPeriod"/>
               </a:pPr>
-              <a:endParaRPr lang="en-US" dirty="0" smtClean="0"/>
+              <a:endParaRPr lang="en-US" sz="2400" dirty="0" smtClean="0"/>
             </a:p>
             <a:p>
               <a:pPr marL="342900" indent="-342900">
                 <a:buFont typeface="+mj-lt"/>
                 <a:buAutoNum type="arabicPeriod"/>
               </a:pPr>
-              <a:endParaRPr lang="en-US" dirty="0" smtClean="0"/>
+              <a:endParaRPr lang="en-US" sz="2400" dirty="0" smtClean="0"/>
             </a:p>
             <a:p>
               <a:pPr marL="342900" indent="-342900">
                 <a:buFont typeface="+mj-lt"/>
                 <a:buAutoNum type="arabicPeriod"/>
               </a:pPr>
-              <a:endParaRPr lang="en-US" dirty="0" smtClean="0"/>
+              <a:endParaRPr lang="en-US" sz="2400" dirty="0" smtClean="0"/>
             </a:p>
           </p:txBody>
         </p:sp>
@@ -3831,8 +3831,8 @@
           </p:nvSpPr>
           <p:spPr>
             <a:xfrm>
-              <a:off x="5908829" y="5426257"/>
-              <a:ext cx="3949311" cy="2293402"/>
+              <a:off x="7090683" y="5426221"/>
+              <a:ext cx="4657384" cy="3416320"/>
             </a:xfrm>
             <a:prstGeom prst="rect">
               <a:avLst/>
@@ -3860,7 +3860,7 @@
                 <a:buFont typeface="+mj-lt"/>
                 <a:buAutoNum type="arabicPeriod"/>
               </a:pPr>
-              <a:endParaRPr lang="en-US" dirty="0" smtClean="0"/>
+              <a:endParaRPr lang="en-US" sz="2400" dirty="0" smtClean="0"/>
             </a:p>
           </p:txBody>
         </p:sp>
@@ -3872,8 +3872,8 @@
           </p:nvSpPr>
           <p:spPr>
             <a:xfrm>
-              <a:off x="6320277" y="7222629"/>
-              <a:ext cx="3126417" cy="307777"/>
+              <a:off x="7672803" y="8196210"/>
+              <a:ext cx="3949311" cy="369332"/>
             </a:xfrm>
             <a:prstGeom prst="rect">
               <a:avLst/>
@@ -3887,14 +3887,14 @@
             <a:lstStyle/>
             <a:p>
               <a:r>
-                <a:rPr lang="en-US" sz="1400" dirty="0" err="1" smtClean="0"/>
+                <a:rPr lang="en-US" dirty="0" err="1" smtClean="0"/>
                 <a:t>Movie_Title,rating</a:t>
               </a:r>
               <a:r>
-                <a:rPr lang="en-US" sz="1400" dirty="0" smtClean="0"/>
+                <a:rPr lang="en-US" dirty="0" smtClean="0"/>
                 <a:t>,[Countries],Budget</a:t>
               </a:r>
-              <a:endParaRPr lang="en-US" sz="1400" dirty="0"/>
+              <a:endParaRPr lang="en-US" dirty="0"/>
             </a:p>
           </p:txBody>
         </p:sp>
@@ -3906,8 +3906,8 @@
           </p:nvSpPr>
           <p:spPr>
             <a:xfrm>
-              <a:off x="647259" y="5584990"/>
-              <a:ext cx="4535508" cy="3139321"/>
+              <a:off x="611978" y="5426221"/>
+              <a:ext cx="6390997" cy="3416320"/>
             </a:xfrm>
             <a:prstGeom prst="rect">
               <a:avLst/>
@@ -3921,10 +3921,10 @@
             <a:lstStyle/>
             <a:p>
               <a:r>
-                <a:rPr lang="en-US" b="1" dirty="0" err="1" smtClean="0"/>
+                <a:rPr lang="en-US" sz="2400" b="1" dirty="0" err="1" smtClean="0"/>
                 <a:t>Process_torrent_data.py</a:t>
               </a:r>
-              <a:endParaRPr lang="en-US" dirty="0" smtClean="0"/>
+              <a:endParaRPr lang="en-US" sz="2400" dirty="0" smtClean="0"/>
             </a:p>
             <a:p>
               <a:pPr marL="342900" indent="-342900">
@@ -3932,17 +3932,29 @@
                 <a:buAutoNum type="arabicPeriod"/>
               </a:pPr>
               <a:r>
-                <a:rPr lang="en-US" dirty="0" smtClean="0"/>
-                <a:t>Removing duplicated entries * (</a:t>
-              </a:r>
-              <a:r>
-                <a:rPr lang="en-US" dirty="0" smtClean="0">
+                <a:rPr lang="en-US" sz="2400" dirty="0" smtClean="0"/>
+                <a:t>Remove </a:t>
+              </a:r>
+              <a:r>
+                <a:rPr lang="en-US" sz="2400" dirty="0" smtClean="0"/>
+                <a:t>duplicated </a:t>
+              </a:r>
+              <a:r>
+                <a:rPr lang="en-US" sz="2400" dirty="0" smtClean="0"/>
+                <a:t>entries </a:t>
+              </a:r>
+              <a:r>
+                <a:rPr lang="en-US" sz="2400" dirty="0" smtClean="0"/>
+                <a:t>(</a:t>
+              </a:r>
+              <a:r>
+                <a:rPr lang="en-US" sz="2400" dirty="0" smtClean="0">
                   <a:effectLst/>
                 </a:rPr>
                 <a:t>66864</a:t>
               </a:r>
               <a:r>
-                <a:rPr lang="en-US" dirty="0" smtClean="0"/>
+                <a:rPr lang="en-US" sz="2400" dirty="0" smtClean="0"/>
                 <a:t>)</a:t>
               </a:r>
             </a:p>
@@ -3952,17 +3964,21 @@
                 <a:buAutoNum type="arabicPeriod"/>
               </a:pPr>
               <a:r>
-                <a:rPr lang="en-US" dirty="0" smtClean="0"/>
-                <a:t>Removing entries that have no valid IMDB ID (</a:t>
-              </a:r>
-              <a:r>
-                <a:rPr lang="en-US" dirty="0" smtClean="0">
+                <a:rPr lang="en-US" sz="2400" dirty="0" smtClean="0"/>
+                <a:t>Remove </a:t>
+              </a:r>
+              <a:r>
+                <a:rPr lang="en-US" sz="2400" dirty="0" smtClean="0"/>
+                <a:t>entries that have no valid IMDB ID (</a:t>
+              </a:r>
+              <a:r>
+                <a:rPr lang="en-US" sz="2400" dirty="0" smtClean="0">
                   <a:effectLst/>
                 </a:rPr>
                 <a:t>62327 entries</a:t>
               </a:r>
               <a:r>
-                <a:rPr lang="en-US" dirty="0" smtClean="0"/>
+                <a:rPr lang="en-US" sz="2400" dirty="0" smtClean="0"/>
                 <a:t>)</a:t>
               </a:r>
             </a:p>
@@ -3972,17 +3988,17 @@
                 <a:buAutoNum type="arabicPeriod"/>
               </a:pPr>
               <a:r>
-                <a:rPr lang="en-US" dirty="0" smtClean="0"/>
+                <a:rPr lang="en-US" sz="2400" dirty="0" smtClean="0"/>
                 <a:t>Take unique IMDB IDs (</a:t>
               </a:r>
               <a:r>
-                <a:rPr lang="en-US" dirty="0" smtClean="0">
+                <a:rPr lang="en-US" sz="2400" dirty="0" smtClean="0">
                   <a:effectLst/>
                 </a:rPr>
                 <a:t>24881 unique titles</a:t>
               </a:r>
               <a:r>
-                <a:rPr lang="en-US" dirty="0" smtClean="0"/>
+                <a:rPr lang="en-US" sz="2400" dirty="0" smtClean="0"/>
                 <a:t>)</a:t>
               </a:r>
             </a:p>
@@ -3992,10 +4008,14 @@
                 <a:buAutoNum type="arabicPeriod"/>
               </a:pPr>
               <a:r>
-                <a:rPr lang="en-US" b="1" dirty="0" smtClean="0"/>
-                <a:t>Downloading IMDB data for all IMDB IDs</a:t>
-              </a:r>
-              <a:endParaRPr lang="en-US" dirty="0" smtClean="0"/>
+                <a:rPr lang="en-US" sz="2400" b="1" dirty="0" smtClean="0"/>
+                <a:t>Download </a:t>
+              </a:r>
+              <a:r>
+                <a:rPr lang="en-US" sz="2400" b="1" dirty="0" smtClean="0"/>
+                <a:t>IMDB data for all IMDB IDs</a:t>
+              </a:r>
+              <a:endParaRPr lang="en-US" sz="2400" dirty="0" smtClean="0"/>
             </a:p>
             <a:p>
               <a:pPr marL="342900" indent="-342900">
@@ -4003,9 +4023,30 @@
                 <a:buAutoNum type="arabicPeriod"/>
               </a:pPr>
               <a:r>
-                <a:rPr lang="en-US" dirty="0" smtClean="0"/>
-                <a:t>Summarizing number of torrents and downloads corresponding a single IMDB ID.</a:t>
-              </a:r>
+                <a:rPr lang="en-US" sz="2400" dirty="0" smtClean="0"/>
+                <a:t>Summarize </a:t>
+              </a:r>
+              <a:r>
+                <a:rPr lang="en-US" sz="2400" dirty="0" smtClean="0"/>
+                <a:t>number of torrents and downloads </a:t>
+              </a:r>
+              <a:r>
+                <a:rPr lang="en-US" sz="2400" smtClean="0"/>
+                <a:t>corresponding </a:t>
+              </a:r>
+              <a:r>
+                <a:rPr lang="en-US" sz="2400" smtClean="0"/>
+                <a:t>to a </a:t>
+              </a:r>
+              <a:r>
+                <a:rPr lang="en-US" sz="2400" dirty="0" smtClean="0"/>
+                <a:t>single IMDB </a:t>
+              </a:r>
+              <a:r>
+                <a:rPr lang="en-US" sz="2400" dirty="0" smtClean="0"/>
+                <a:t>ID</a:t>
+              </a:r>
+              <a:endParaRPr lang="en-US" sz="2400" dirty="0" smtClean="0"/>
             </a:p>
             <a:p>
               <a:pPr marL="342900" indent="-342900">
@@ -4013,15 +4054,15 @@
                 <a:buAutoNum type="arabicPeriod"/>
               </a:pPr>
               <a:r>
-                <a:rPr lang="en-US" dirty="0" smtClean="0"/>
+                <a:rPr lang="en-US" sz="2400" dirty="0" smtClean="0"/>
                 <a:t>Save </a:t>
               </a:r>
               <a:r>
-                <a:rPr lang="en-US" dirty="0" err="1" smtClean="0"/>
+                <a:rPr lang="en-US" sz="2400" dirty="0" err="1" smtClean="0"/>
                 <a:t>csv</a:t>
               </a:r>
               <a:r>
-                <a:rPr lang="en-US" dirty="0" smtClean="0"/>
+                <a:rPr lang="en-US" sz="2400" dirty="0" smtClean="0"/>
                 <a:t> </a:t>
               </a:r>
             </a:p>
@@ -4036,7 +4077,7 @@
           <p:spPr>
             <a:xfrm>
               <a:off x="607414" y="9497368"/>
-              <a:ext cx="5024972" cy="763163"/>
+              <a:ext cx="6113326" cy="763163"/>
             </a:xfrm>
             <a:prstGeom prst="rect">
               <a:avLst/>
@@ -4061,7 +4102,7 @@
             <a:lstStyle/>
             <a:p>
               <a:pPr algn="ctr"/>
-              <a:endParaRPr lang="en-US" dirty="0"/>
+              <a:endParaRPr lang="en-US" sz="2400" dirty="0"/>
             </a:p>
           </p:txBody>
         </p:sp>
@@ -4073,8 +4114,8 @@
           </p:nvSpPr>
           <p:spPr>
             <a:xfrm>
-              <a:off x="676438" y="9914318"/>
-              <a:ext cx="4955948" cy="307777"/>
+              <a:off x="676438" y="9879036"/>
+              <a:ext cx="6044302" cy="369332"/>
             </a:xfrm>
             <a:prstGeom prst="rect">
               <a:avLst/>
@@ -4088,14 +4129,14 @@
             <a:lstStyle/>
             <a:p>
               <a:r>
-                <a:rPr lang="en-US" sz="1400" dirty="0" err="1" smtClean="0"/>
+                <a:rPr lang="en-US" dirty="0" err="1" smtClean="0"/>
                 <a:t>IMDB_ID,IMDB_Title,#Downloads,#releases</a:t>
               </a:r>
               <a:r>
-                <a:rPr lang="en-US" sz="1400" dirty="0" smtClean="0"/>
+                <a:rPr lang="en-US" dirty="0" smtClean="0"/>
                 <a:t>,[countries],Budget </a:t>
               </a:r>
-              <a:endParaRPr lang="en-US" sz="1400" dirty="0"/>
+              <a:endParaRPr lang="en-US" dirty="0"/>
             </a:p>
           </p:txBody>
         </p:sp>
@@ -4108,7 +4149,7 @@
           <p:spPr>
             <a:xfrm>
               <a:off x="1771386" y="9510550"/>
-              <a:ext cx="3033340" cy="369332"/>
+              <a:ext cx="3861000" cy="461665"/>
             </a:xfrm>
             <a:prstGeom prst="rect">
               <a:avLst/>
@@ -4122,10 +4163,10 @@
             <a:lstStyle/>
             <a:p>
               <a:r>
-                <a:rPr lang="en-US" dirty="0" err="1" smtClean="0"/>
+                <a:rPr lang="en-US" sz="2400" dirty="0" err="1" smtClean="0"/>
                 <a:t>Movie_IMDB_data.csv</a:t>
               </a:r>
-              <a:endParaRPr lang="en-US" dirty="0"/>
+              <a:endParaRPr lang="en-US" sz="2400" dirty="0"/>
             </a:p>
           </p:txBody>
         </p:sp>
@@ -4137,8 +4178,8 @@
           </p:nvCxnSpPr>
           <p:spPr>
             <a:xfrm flipH="1">
-              <a:off x="5142922" y="7417146"/>
-              <a:ext cx="1151066" cy="0"/>
+              <a:off x="6501185" y="7442647"/>
+              <a:ext cx="589498" cy="0"/>
             </a:xfrm>
             <a:prstGeom prst="straightConnector1">
               <a:avLst/>
@@ -4202,7 +4243,7 @@
             <a:lstStyle/>
             <a:p>
               <a:pPr algn="ctr"/>
-              <a:endParaRPr lang="en-US"/>
+              <a:endParaRPr lang="en-US" sz="2400"/>
             </a:p>
           </p:txBody>
         </p:sp>
@@ -4214,8 +4255,8 @@
           </p:nvSpPr>
           <p:spPr>
             <a:xfrm>
-              <a:off x="5942455" y="5584990"/>
-              <a:ext cx="3868651" cy="1754327"/>
+              <a:off x="7208087" y="5519172"/>
+              <a:ext cx="4804576" cy="2677656"/>
             </a:xfrm>
             <a:prstGeom prst="rect">
               <a:avLst/>
@@ -4229,10 +4270,10 @@
             <a:lstStyle/>
             <a:p>
               <a:r>
-                <a:rPr lang="en-US" b="1" dirty="0" err="1" smtClean="0"/>
+                <a:rPr lang="en-US" sz="2400" b="1" dirty="0" err="1" smtClean="0"/>
                 <a:t>get_IMDB.py</a:t>
               </a:r>
-              <a:endParaRPr lang="en-US" b="1" dirty="0" smtClean="0"/>
+              <a:endParaRPr lang="en-US" sz="2400" b="1" dirty="0" smtClean="0"/>
             </a:p>
             <a:p>
               <a:pPr marL="342900" indent="-342900">
@@ -4240,7 +4281,7 @@
                 <a:buAutoNum type="arabicPeriod"/>
               </a:pPr>
               <a:r>
-                <a:rPr lang="en-US" dirty="0" smtClean="0"/>
+                <a:rPr lang="en-US" sz="2400" dirty="0" smtClean="0"/>
                 <a:t>Download IMDB datasheet</a:t>
               </a:r>
             </a:p>
@@ -4250,15 +4291,15 @@
                 <a:buAutoNum type="arabicPeriod"/>
               </a:pPr>
               <a:r>
-                <a:rPr lang="en-US" dirty="0" smtClean="0"/>
+                <a:rPr lang="en-US" sz="2400" dirty="0" smtClean="0"/>
                 <a:t>Parses html with </a:t>
               </a:r>
               <a:r>
-                <a:rPr lang="en-US" dirty="0" err="1" smtClean="0"/>
+                <a:rPr lang="en-US" sz="2400" dirty="0" err="1" smtClean="0"/>
                 <a:t>xpath</a:t>
               </a:r>
               <a:r>
-                <a:rPr lang="en-US" dirty="0" smtClean="0"/>
+                <a:rPr lang="en-US" sz="2400" dirty="0" smtClean="0"/>
                 <a:t> expressions</a:t>
               </a:r>
             </a:p>
@@ -4268,7 +4309,7 @@
                 <a:buAutoNum type="arabicPeriod"/>
               </a:pPr>
               <a:r>
-                <a:rPr lang="en-US" dirty="0" smtClean="0"/>
+                <a:rPr lang="en-US" sz="2400" dirty="0" smtClean="0"/>
                 <a:t>Deals with missing data</a:t>
               </a:r>
             </a:p>
@@ -4278,10 +4319,9 @@
                 <a:buAutoNum type="arabicPeriod"/>
               </a:pPr>
               <a:r>
-                <a:rPr lang="en-US" dirty="0" smtClean="0"/>
+                <a:rPr lang="en-US" sz="2400" dirty="0" smtClean="0"/>
                 <a:t>Returns the following fields if exists:</a:t>
               </a:r>
-              <a:endParaRPr lang="en-US" dirty="0" smtClean="0"/>
             </a:p>
           </p:txBody>
         </p:sp>
@@ -4297,7 +4337,7 @@
           <p:spPr>
             <a:xfrm>
               <a:off x="3119900" y="411349"/>
-              <a:ext cx="0" cy="1361084"/>
+              <a:ext cx="0" cy="1017585"/>
             </a:xfrm>
             <a:prstGeom prst="straightConnector1">
               <a:avLst/>
@@ -4331,14 +4371,13 @@
             <p:cNvPr id="68" name="Straight Arrow Connector 67"/>
             <p:cNvCxnSpPr>
               <a:stCxn id="7" idx="2"/>
-              <a:endCxn id="24" idx="0"/>
             </p:cNvCxnSpPr>
             <p:nvPr/>
           </p:nvCxnSpPr>
           <p:spPr>
             <a:xfrm>
               <a:off x="7883485" y="411349"/>
-              <a:ext cx="0" cy="5014908"/>
+              <a:ext cx="0" cy="5014872"/>
             </a:xfrm>
             <a:prstGeom prst="straightConnector1">
               <a:avLst/>
@@ -4370,15 +4409,13 @@
         <p:cxnSp>
           <p:nvCxnSpPr>
             <p:cNvPr id="75" name="Straight Arrow Connector 74"/>
-            <p:cNvCxnSpPr>
-              <a:stCxn id="32" idx="2"/>
-            </p:cNvCxnSpPr>
+            <p:cNvCxnSpPr/>
             <p:nvPr/>
           </p:nvCxnSpPr>
           <p:spPr>
             <a:xfrm>
               <a:off x="3119900" y="10260531"/>
-              <a:ext cx="0" cy="960069"/>
+              <a:ext cx="0" cy="557060"/>
             </a:xfrm>
             <a:prstGeom prst="straightConnector1">
               <a:avLst/>
@@ -4415,14 +4452,33 @@
           </p:nvSpPr>
           <p:spPr>
             <a:xfrm>
-              <a:off x="1740696" y="11206001"/>
-              <a:ext cx="2780960" cy="523220"/>
+              <a:off x="400288" y="10817591"/>
+              <a:ext cx="6320452" cy="1015663"/>
             </a:xfrm>
             <a:prstGeom prst="rect">
               <a:avLst/>
             </a:prstGeom>
-            <a:noFill/>
+            <a:solidFill>
+              <a:srgbClr val="FFFFFF"/>
+            </a:solidFill>
+            <a:ln>
+              <a:noFill/>
+            </a:ln>
           </p:spPr>
+          <p:style>
+            <a:lnRef idx="1">
+              <a:schemeClr val="accent3"/>
+            </a:lnRef>
+            <a:fillRef idx="2">
+              <a:schemeClr val="accent3"/>
+            </a:fillRef>
+            <a:effectRef idx="1">
+              <a:schemeClr val="accent3"/>
+            </a:effectRef>
+            <a:fontRef idx="minor">
+              <a:schemeClr val="dk1"/>
+            </a:fontRef>
+          </p:style>
           <p:txBody>
             <a:bodyPr wrap="square" rtlCol="0">
               <a:spAutoFit/>
@@ -4431,10 +4487,49 @@
             <a:p>
               <a:pPr algn="ctr"/>
               <a:r>
-                <a:rPr lang="en-US" sz="2800" dirty="0" smtClean="0"/>
-                <a:t>Visualization</a:t>
-              </a:r>
-              <a:endParaRPr lang="en-US" sz="2800" dirty="0" smtClean="0"/>
+                <a:rPr lang="en-US" sz="3600" dirty="0" smtClean="0"/>
+                <a:t>Analysis &amp; Visualization</a:t>
+              </a:r>
+            </a:p>
+            <a:p>
+              <a:pPr algn="ctr"/>
+              <a:r>
+                <a:rPr lang="en-US" sz="2400" dirty="0" smtClean="0"/>
+                <a:t>Python, pandas</a:t>
+              </a:r>
+              <a:r>
+                <a:rPr lang="en-US" sz="2400" dirty="0"/>
+                <a:t>, </a:t>
+              </a:r>
+              <a:r>
+                <a:rPr lang="en-US" sz="2400" dirty="0" err="1" smtClean="0"/>
+                <a:t>numpy</a:t>
+              </a:r>
+              <a:r>
+                <a:rPr lang="en-US" sz="2400" dirty="0" smtClean="0"/>
+                <a:t>, </a:t>
+              </a:r>
+              <a:r>
+                <a:rPr lang="en-US" sz="2400" dirty="0" err="1"/>
+                <a:t>matplotlib</a:t>
+              </a:r>
+              <a:r>
+                <a:rPr lang="en-US" sz="2400" dirty="0" smtClean="0"/>
+                <a:t> </a:t>
+              </a:r>
+              <a:r>
+                <a:rPr lang="en-US" sz="2400" dirty="0" smtClean="0"/>
+                <a:t>in </a:t>
+              </a:r>
+              <a:r>
+                <a:rPr lang="en-US" sz="2400" dirty="0" err="1" smtClean="0"/>
+                <a:t>Spyder</a:t>
+              </a:r>
+              <a:r>
+                <a:rPr lang="en-US" sz="2400" dirty="0" smtClean="0"/>
+                <a:t> IDE</a:t>
+              </a:r>
+              <a:endParaRPr lang="en-US" sz="2400" dirty="0" smtClean="0"/>
             </a:p>
           </p:txBody>
         </p:sp>
